--- a/data/pptx/003_8_nastanak_i_razvoj_soc_sazetak.pptx
+++ b/data/pptx/003_8_nastanak_i_razvoj_soc_sazetak.pptx
@@ -259,7 +259,7 @@
               <a:pPr>
                 <a:defRPr/>
               </a:pPr>
-              <a:t>9.11.2017.</a:t>
+              <a:t>6.12.2017.</a:t>
             </a:fld>
             <a:endParaRPr lang="hr-HR"/>
           </a:p>
@@ -478,7 +478,7 @@
               <a:pPr>
                 <a:defRPr/>
               </a:pPr>
-              <a:t>9.11.2017.</a:t>
+              <a:t>6.12.2017.</a:t>
             </a:fld>
             <a:endParaRPr lang="hr-HR"/>
           </a:p>
@@ -990,7 +990,7 @@
               <a:pPr>
                 <a:defRPr/>
               </a:pPr>
-              <a:t>11/9/2017</a:t>
+              <a:t>12/6/2017</a:t>
             </a:fld>
             <a:endParaRPr lang="en-US" dirty="0"/>
           </a:p>
@@ -1194,7 +1194,7 @@
               <a:pPr>
                 <a:defRPr/>
               </a:pPr>
-              <a:t>11/9/2017</a:t>
+              <a:t>12/6/2017</a:t>
             </a:fld>
             <a:endParaRPr lang="en-US" dirty="0"/>
           </a:p>
@@ -1408,7 +1408,7 @@
               <a:pPr>
                 <a:defRPr/>
               </a:pPr>
-              <a:t>11/9/2017</a:t>
+              <a:t>12/6/2017</a:t>
             </a:fld>
             <a:endParaRPr lang="en-US" dirty="0"/>
           </a:p>
@@ -1707,7 +1707,7 @@
               <a:pPr>
                 <a:defRPr/>
               </a:pPr>
-              <a:t>11/9/2017</a:t>
+              <a:t>12/6/2017</a:t>
             </a:fld>
             <a:endParaRPr lang="en-US" dirty="0"/>
           </a:p>
@@ -1983,7 +1983,7 @@
               <a:pPr>
                 <a:defRPr/>
               </a:pPr>
-              <a:t>11/9/2017</a:t>
+              <a:t>12/6/2017</a:t>
             </a:fld>
             <a:endParaRPr lang="en-US" dirty="0"/>
           </a:p>
@@ -2360,7 +2360,7 @@
               <a:pPr>
                 <a:defRPr/>
               </a:pPr>
-              <a:t>11/9/2017</a:t>
+              <a:t>12/6/2017</a:t>
             </a:fld>
             <a:endParaRPr lang="en-US" dirty="0"/>
           </a:p>
@@ -2773,7 +2773,7 @@
               <a:pPr>
                 <a:defRPr/>
               </a:pPr>
-              <a:t>11/9/2017</a:t>
+              <a:t>12/6/2017</a:t>
             </a:fld>
             <a:endParaRPr lang="en-US" dirty="0"/>
           </a:p>
@@ -2925,7 +2925,7 @@
               <a:pPr>
                 <a:defRPr/>
               </a:pPr>
-              <a:t>11/9/2017</a:t>
+              <a:t>12/6/2017</a:t>
             </a:fld>
             <a:endParaRPr lang="en-US" dirty="0"/>
           </a:p>
@@ -3054,7 +3054,7 @@
               <a:pPr>
                 <a:defRPr/>
               </a:pPr>
-              <a:t>11/9/2017</a:t>
+              <a:t>12/6/2017</a:t>
             </a:fld>
             <a:endParaRPr lang="en-US" dirty="0"/>
           </a:p>
@@ -3351,7 +3351,7 @@
               <a:pPr>
                 <a:defRPr/>
               </a:pPr>
-              <a:t>11/9/2017</a:t>
+              <a:t>12/6/2017</a:t>
             </a:fld>
             <a:endParaRPr lang="en-US" dirty="0"/>
           </a:p>
@@ -3642,7 +3642,7 @@
               <a:pPr>
                 <a:defRPr/>
               </a:pPr>
-              <a:t>11/9/2017</a:t>
+              <a:t>12/6/2017</a:t>
             </a:fld>
             <a:endParaRPr lang="en-US" dirty="0"/>
           </a:p>
@@ -3922,7 +3922,7 @@
               <a:pPr>
                 <a:defRPr/>
               </a:pPr>
-              <a:t>11/9/2017</a:t>
+              <a:t>12/6/2017</a:t>
             </a:fld>
             <a:endParaRPr lang="en-US" dirty="0"/>
           </a:p>
@@ -4537,51 +4537,7 @@
                 <a:latin typeface="Calibri" panose="020F0502020204030204" pitchFamily="34" charset="0"/>
                 <a:cs typeface="Calibri" panose="020F0502020204030204" pitchFamily="34" charset="0"/>
               </a:rPr>
-              <a:t>Nastanak </a:t>
-            </a:r>
-            <a:r>
-              <a:rPr lang="hr-HR" sz="6600" b="1" dirty="0" smtClean="0">
-                <a:ln w="3175">
-                  <a:solidFill>
-                    <a:prstClr val="black"/>
-                  </a:solidFill>
-                </a:ln>
-                <a:solidFill>
-                  <a:srgbClr val="FFC000"/>
-                </a:solidFill>
-                <a:effectLst>
-                  <a:outerShdw blurRad="25400" algn="tl" rotWithShape="0">
-                    <a:srgbClr val="000000">
-                      <a:alpha val="43000"/>
-                    </a:srgbClr>
-                  </a:outerShdw>
-                </a:effectLst>
-                <a:latin typeface="Calibri" panose="020F0502020204030204" pitchFamily="34" charset="0"/>
-                <a:cs typeface="Calibri" panose="020F0502020204030204" pitchFamily="34" charset="0"/>
-              </a:rPr>
-              <a:t>i razvoj </a:t>
-            </a:r>
-            <a:r>
-              <a:rPr lang="hr-HR" sz="6600" b="1" dirty="0" smtClean="0">
-                <a:ln w="3175">
-                  <a:solidFill>
-                    <a:prstClr val="black"/>
-                  </a:solidFill>
-                </a:ln>
-                <a:solidFill>
-                  <a:srgbClr val="FFC000"/>
-                </a:solidFill>
-                <a:effectLst>
-                  <a:outerShdw blurRad="25400" algn="tl" rotWithShape="0">
-                    <a:srgbClr val="000000">
-                      <a:alpha val="43000"/>
-                    </a:srgbClr>
-                  </a:outerShdw>
-                </a:effectLst>
-                <a:latin typeface="Calibri" panose="020F0502020204030204" pitchFamily="34" charset="0"/>
-                <a:cs typeface="Calibri" panose="020F0502020204030204" pitchFamily="34" charset="0"/>
-              </a:rPr>
-              <a:t>sociologije</a:t>
+              <a:t>Nastanak i razvoj sociologije</a:t>
             </a:r>
           </a:p>
           <a:p>
@@ -4616,25 +4572,6 @@
               </a:rPr>
               <a:t>sažetak</a:t>
             </a:r>
-            <a:endParaRPr lang="hr-HR" sz="6000" i="1" dirty="0" smtClean="0">
-              <a:ln w="3175">
-                <a:solidFill>
-                  <a:prstClr val="black"/>
-                </a:solidFill>
-              </a:ln>
-              <a:solidFill>
-                <a:srgbClr val="FFC000"/>
-              </a:solidFill>
-              <a:effectLst>
-                <a:outerShdw blurRad="25400" algn="tl" rotWithShape="0">
-                  <a:srgbClr val="000000">
-                    <a:alpha val="43000"/>
-                  </a:srgbClr>
-                </a:outerShdw>
-              </a:effectLst>
-              <a:latin typeface="Calibri" panose="020F0502020204030204" pitchFamily="34" charset="0"/>
-              <a:cs typeface="Calibri" panose="020F0502020204030204" pitchFamily="34" charset="0"/>
-            </a:endParaRPr>
           </a:p>
         </p:txBody>
       </p:sp>
@@ -4747,13 +4684,13 @@
   <p:clrMapOvr>
     <a:masterClrMapping/>
   </p:clrMapOvr>
-  <mc:AlternateContent xmlns:mc="http://schemas.openxmlformats.org/markup-compatibility/2006">
-    <mc:Choice xmlns:p14="http://schemas.microsoft.com/office/powerpoint/2010/main" Requires="p14">
+  <mc:AlternateContent xmlns:mc="http://schemas.openxmlformats.org/markup-compatibility/2006" xmlns:p14="http://schemas.microsoft.com/office/powerpoint/2010/main">
+    <mc:Choice Requires="p14">
       <p:transition>
         <p14:reveal/>
       </p:transition>
     </mc:Choice>
-    <mc:Fallback>
+    <mc:Fallback xmlns="">
       <p:transition>
         <p:fade/>
       </p:transition>
@@ -5052,13 +4989,13 @@
   <p:clrMapOvr>
     <a:masterClrMapping/>
   </p:clrMapOvr>
-  <mc:AlternateContent xmlns:mc="http://schemas.openxmlformats.org/markup-compatibility/2006">
-    <mc:Choice xmlns:p14="http://schemas.microsoft.com/office/powerpoint/2010/main" Requires="p14">
+  <mc:AlternateContent xmlns:mc="http://schemas.openxmlformats.org/markup-compatibility/2006" xmlns:p14="http://schemas.microsoft.com/office/powerpoint/2010/main">
+    <mc:Choice Requires="p14">
       <p:transition>
         <p14:reveal/>
       </p:transition>
     </mc:Choice>
-    <mc:Fallback>
+    <mc:Fallback xmlns="">
       <p:transition>
         <p:fade/>
       </p:transition>
@@ -5611,18 +5548,7 @@
                 <a:latin typeface="Calibri" panose="020F0502020204030204" pitchFamily="34" charset="0"/>
                 <a:cs typeface="Calibri" panose="020F0502020204030204" pitchFamily="34" charset="0"/>
               </a:rPr>
-              <a:t> 	</a:t>
-            </a:r>
-            <a:r>
-              <a:rPr lang="hr-HR" b="0" i="1" dirty="0" smtClean="0">
-                <a:solidFill>
-                  <a:srgbClr val="FFC000"/>
-                </a:solidFill>
-                <a:effectLst/>
-                <a:latin typeface="Calibri" panose="020F0502020204030204" pitchFamily="34" charset="0"/>
-                <a:cs typeface="Calibri" panose="020F0502020204030204" pitchFamily="34" charset="0"/>
-              </a:rPr>
-              <a:t>	  </a:t>
+              <a:t> 		  </a:t>
             </a:r>
             <a:r>
               <a:rPr lang="hr-HR" sz="3200" b="0" dirty="0" smtClean="0">
@@ -5633,18 +5559,7 @@
                 <a:latin typeface="Calibri" panose="020F0502020204030204" pitchFamily="34" charset="0"/>
                 <a:cs typeface="Calibri" panose="020F0502020204030204" pitchFamily="34" charset="0"/>
               </a:rPr>
-              <a:t>(</a:t>
-            </a:r>
-            <a:r>
-              <a:rPr lang="hr-HR" sz="3200" b="0" dirty="0" smtClean="0">
-                <a:solidFill>
-                  <a:srgbClr val="FFC000"/>
-                </a:solidFill>
-                <a:effectLst/>
-                <a:latin typeface="Calibri" panose="020F0502020204030204" pitchFamily="34" charset="0"/>
-                <a:cs typeface="Calibri" panose="020F0502020204030204" pitchFamily="34" charset="0"/>
-              </a:rPr>
-              <a:t>1798. – 1857.)</a:t>
+              <a:t>(1798. – 1857.)</a:t>
             </a:r>
             <a:endParaRPr lang="hr-HR" b="0" dirty="0">
               <a:solidFill>
@@ -6018,13 +5933,13 @@
   <p:clrMapOvr>
     <a:masterClrMapping/>
   </p:clrMapOvr>
-  <mc:AlternateContent xmlns:mc="http://schemas.openxmlformats.org/markup-compatibility/2006">
-    <mc:Choice xmlns:p14="http://schemas.microsoft.com/office/powerpoint/2010/main" Requires="p14">
+  <mc:AlternateContent xmlns:mc="http://schemas.openxmlformats.org/markup-compatibility/2006" xmlns:p14="http://schemas.microsoft.com/office/powerpoint/2010/main">
+    <mc:Choice Requires="p14">
       <p:transition>
         <p14:reveal/>
       </p:transition>
     </mc:Choice>
-    <mc:Fallback>
+    <mc:Fallback xmlns="">
       <p:transition>
         <p:fade/>
       </p:transition>
@@ -6599,18 +6514,7 @@
                 <a:latin typeface="Calibri" panose="020F0502020204030204" pitchFamily="34" charset="0"/>
                 <a:cs typeface="Calibri" panose="020F0502020204030204" pitchFamily="34" charset="0"/>
               </a:rPr>
-              <a:t>	</a:t>
-            </a:r>
-            <a:r>
-              <a:rPr lang="hr-HR" sz="4000" b="0" i="1" dirty="0" smtClean="0">
-                <a:solidFill>
-                  <a:srgbClr val="FFC000"/>
-                </a:solidFill>
-                <a:effectLst/>
-                <a:latin typeface="Calibri" panose="020F0502020204030204" pitchFamily="34" charset="0"/>
-                <a:cs typeface="Calibri" panose="020F0502020204030204" pitchFamily="34" charset="0"/>
-              </a:rPr>
-              <a:t>  </a:t>
+              <a:t>	  </a:t>
             </a:r>
             <a:r>
               <a:rPr lang="hr-HR" sz="3200" b="0" dirty="0" smtClean="0">
@@ -6621,18 +6525,7 @@
                 <a:latin typeface="Calibri" panose="020F0502020204030204" pitchFamily="34" charset="0"/>
                 <a:cs typeface="Calibri" panose="020F0502020204030204" pitchFamily="34" charset="0"/>
               </a:rPr>
-              <a:t>(</a:t>
-            </a:r>
-            <a:r>
-              <a:rPr lang="hr-HR" sz="3200" b="0" dirty="0" smtClean="0">
-                <a:solidFill>
-                  <a:srgbClr val="FFC000"/>
-                </a:solidFill>
-                <a:effectLst/>
-                <a:latin typeface="Calibri" panose="020F0502020204030204" pitchFamily="34" charset="0"/>
-                <a:cs typeface="Calibri" panose="020F0502020204030204" pitchFamily="34" charset="0"/>
-              </a:rPr>
-              <a:t>1820. - 1903.)</a:t>
+              <a:t>(1820. - 1903.)</a:t>
             </a:r>
             <a:endParaRPr lang="hr-HR" b="0" dirty="0" smtClean="0">
               <a:solidFill>
@@ -6899,18 +6792,18 @@
               <a:t>stupanj </a:t>
             </a:r>
             <a:r>
-              <a:rPr lang="hr-HR" dirty="0" err="1" smtClean="0">
-                <a:latin typeface="Calibri" panose="020F0502020204030204" pitchFamily="34" charset="0"/>
-                <a:cs typeface="Calibri" panose="020F0502020204030204" pitchFamily="34" charset="0"/>
-              </a:rPr>
-              <a:t>unutranje</a:t>
-            </a:r>
-            <a:r>
               <a:rPr lang="hr-HR" dirty="0" smtClean="0">
                 <a:latin typeface="Calibri" panose="020F0502020204030204" pitchFamily="34" charset="0"/>
                 <a:cs typeface="Calibri" panose="020F0502020204030204" pitchFamily="34" charset="0"/>
               </a:rPr>
-              <a:t> kontrole </a:t>
+              <a:t>unutarnje </a:t>
+            </a:r>
+            <a:r>
+              <a:rPr lang="hr-HR" dirty="0" smtClean="0">
+                <a:latin typeface="Calibri" panose="020F0502020204030204" pitchFamily="34" charset="0"/>
+                <a:cs typeface="Calibri" panose="020F0502020204030204" pitchFamily="34" charset="0"/>
+              </a:rPr>
+              <a:t>kontrole </a:t>
             </a:r>
             <a:br>
               <a:rPr lang="hr-HR" dirty="0" smtClean="0">
@@ -7069,14 +6962,7 @@
                 <a:latin typeface="Calibri" panose="020F0502020204030204" pitchFamily="34" charset="0"/>
                 <a:cs typeface="Calibri" panose="020F0502020204030204" pitchFamily="34" charset="0"/>
               </a:rPr>
-              <a:t>– </a:t>
-            </a:r>
-            <a:r>
-              <a:rPr lang="hr-HR" dirty="0" smtClean="0">
-                <a:latin typeface="Calibri" panose="020F0502020204030204" pitchFamily="34" charset="0"/>
-                <a:cs typeface="Calibri" panose="020F0502020204030204" pitchFamily="34" charset="0"/>
-              </a:rPr>
-              <a:t>„preživljavanje </a:t>
+              <a:t>– „preživljavanje </a:t>
             </a:r>
             <a:br>
               <a:rPr lang="hr-HR" dirty="0" smtClean="0">
@@ -7089,14 +6975,7 @@
                 <a:latin typeface="Calibri" panose="020F0502020204030204" pitchFamily="34" charset="0"/>
                 <a:cs typeface="Calibri" panose="020F0502020204030204" pitchFamily="34" charset="0"/>
               </a:rPr>
-              <a:t>najsposobnijih</a:t>
-            </a:r>
-            <a:r>
-              <a:rPr lang="hr-HR" dirty="0" smtClean="0">
-                <a:latin typeface="Calibri" panose="020F0502020204030204" pitchFamily="34" charset="0"/>
-                <a:cs typeface="Calibri" panose="020F0502020204030204" pitchFamily="34" charset="0"/>
-              </a:rPr>
-              <a:t>” naroda (kroz borbu)</a:t>
+              <a:t>najsposobnijih” naroda (kroz borbu)</a:t>
             </a:r>
           </a:p>
         </p:txBody>
@@ -7106,13 +6985,13 @@
   <p:clrMapOvr>
     <a:masterClrMapping/>
   </p:clrMapOvr>
-  <mc:AlternateContent xmlns:mc="http://schemas.openxmlformats.org/markup-compatibility/2006">
-    <mc:Choice xmlns:p14="http://schemas.microsoft.com/office/powerpoint/2010/main" Requires="p14">
+  <mc:AlternateContent xmlns:mc="http://schemas.openxmlformats.org/markup-compatibility/2006" xmlns:p14="http://schemas.microsoft.com/office/powerpoint/2010/main">
+    <mc:Choice Requires="p14">
       <p:transition>
         <p14:reveal/>
       </p:transition>
     </mc:Choice>
-    <mc:Fallback>
+    <mc:Fallback xmlns="">
       <p:transition>
         <p:fade/>
       </p:transition>
@@ -7595,18 +7474,7 @@
                 <a:latin typeface="Calibri" panose="020F0502020204030204" pitchFamily="34" charset="0"/>
                 <a:cs typeface="Calibri" panose="020F0502020204030204" pitchFamily="34" charset="0"/>
               </a:rPr>
-              <a:t>(</a:t>
-            </a:r>
-            <a:r>
-              <a:rPr lang="hr-HR" sz="3200" b="0" dirty="0" smtClean="0">
-                <a:solidFill>
-                  <a:srgbClr val="FFC000"/>
-                </a:solidFill>
-                <a:effectLst/>
-                <a:latin typeface="Calibri" panose="020F0502020204030204" pitchFamily="34" charset="0"/>
-                <a:cs typeface="Calibri" panose="020F0502020204030204" pitchFamily="34" charset="0"/>
-              </a:rPr>
-              <a:t>1818. - 1883.)</a:t>
+              <a:t>(1818. - 1883.)</a:t>
             </a:r>
           </a:p>
         </p:txBody>
@@ -7845,13 +7713,13 @@
   <p:clrMapOvr>
     <a:masterClrMapping/>
   </p:clrMapOvr>
-  <mc:AlternateContent xmlns:mc="http://schemas.openxmlformats.org/markup-compatibility/2006">
-    <mc:Choice xmlns:p14="http://schemas.microsoft.com/office/powerpoint/2010/main" Requires="p14">
+  <mc:AlternateContent xmlns:mc="http://schemas.openxmlformats.org/markup-compatibility/2006" xmlns:p14="http://schemas.microsoft.com/office/powerpoint/2010/main">
+    <mc:Choice Requires="p14">
       <p:transition>
         <p14:reveal/>
       </p:transition>
     </mc:Choice>
-    <mc:Fallback>
+    <mc:Fallback xmlns="">
       <p:transition>
         <p:fade/>
       </p:transition>
@@ -8212,40 +8080,7 @@
                 <a:latin typeface="Calibri" panose="020F0502020204030204" pitchFamily="34" charset="0"/>
                 <a:cs typeface="Calibri" panose="020F0502020204030204" pitchFamily="34" charset="0"/>
               </a:rPr>
-              <a:t>(</a:t>
-            </a:r>
-            <a:r>
-              <a:rPr lang="hr-HR" sz="3200" b="0" dirty="0" smtClean="0">
-                <a:solidFill>
-                  <a:srgbClr val="FFC000"/>
-                </a:solidFill>
-                <a:effectLst/>
-                <a:latin typeface="Calibri" panose="020F0502020204030204" pitchFamily="34" charset="0"/>
-                <a:cs typeface="Calibri" panose="020F0502020204030204" pitchFamily="34" charset="0"/>
-              </a:rPr>
-              <a:t>1858. </a:t>
-            </a:r>
-            <a:r>
-              <a:rPr lang="hr-HR" sz="3200" b="0" dirty="0" smtClean="0">
-                <a:solidFill>
-                  <a:srgbClr val="FFC000"/>
-                </a:solidFill>
-                <a:effectLst/>
-                <a:latin typeface="Calibri" panose="020F0502020204030204" pitchFamily="34" charset="0"/>
-                <a:cs typeface="Calibri" panose="020F0502020204030204" pitchFamily="34" charset="0"/>
-              </a:rPr>
-              <a:t>- 1917</a:t>
-            </a:r>
-            <a:r>
-              <a:rPr lang="hr-HR" sz="3200" b="0" dirty="0" smtClean="0">
-                <a:solidFill>
-                  <a:srgbClr val="FFC000"/>
-                </a:solidFill>
-                <a:effectLst/>
-                <a:latin typeface="Calibri" panose="020F0502020204030204" pitchFamily="34" charset="0"/>
-                <a:cs typeface="Calibri" panose="020F0502020204030204" pitchFamily="34" charset="0"/>
-              </a:rPr>
-              <a:t>.)</a:t>
+              <a:t>(1858. - 1917.)</a:t>
             </a:r>
           </a:p>
         </p:txBody>
@@ -8677,13 +8512,13 @@
   <p:clrMapOvr>
     <a:masterClrMapping/>
   </p:clrMapOvr>
-  <mc:AlternateContent xmlns:mc="http://schemas.openxmlformats.org/markup-compatibility/2006">
-    <mc:Choice xmlns:p14="http://schemas.microsoft.com/office/powerpoint/2010/main" Requires="p14">
+  <mc:AlternateContent xmlns:mc="http://schemas.openxmlformats.org/markup-compatibility/2006" xmlns:p14="http://schemas.microsoft.com/office/powerpoint/2010/main">
+    <mc:Choice Requires="p14">
       <p:transition>
         <p14:reveal/>
       </p:transition>
     </mc:Choice>
-    <mc:Fallback>
+    <mc:Fallback xmlns="">
       <p:transition>
         <p:fade/>
       </p:transition>
@@ -9218,18 +9053,7 @@
                 <a:latin typeface="Calibri" panose="020F0502020204030204" pitchFamily="34" charset="0"/>
                 <a:cs typeface="Calibri" panose="020F0502020204030204" pitchFamily="34" charset="0"/>
               </a:rPr>
-              <a:t>(</a:t>
-            </a:r>
-            <a:r>
-              <a:rPr lang="hr-HR" sz="3200" b="0" dirty="0" smtClean="0">
-                <a:solidFill>
-                  <a:srgbClr val="FFC000"/>
-                </a:solidFill>
-                <a:effectLst/>
-                <a:latin typeface="Calibri" panose="020F0502020204030204" pitchFamily="34" charset="0"/>
-                <a:cs typeface="Calibri" panose="020F0502020204030204" pitchFamily="34" charset="0"/>
-              </a:rPr>
-              <a:t>1864. - 1920.)</a:t>
+              <a:t>(1864. - 1920.)</a:t>
             </a:r>
           </a:p>
         </p:txBody>
@@ -9451,13 +9275,13 @@
   <p:clrMapOvr>
     <a:masterClrMapping/>
   </p:clrMapOvr>
-  <mc:AlternateContent xmlns:mc="http://schemas.openxmlformats.org/markup-compatibility/2006">
-    <mc:Choice xmlns:p14="http://schemas.microsoft.com/office/powerpoint/2010/main" Requires="p14">
+  <mc:AlternateContent xmlns:mc="http://schemas.openxmlformats.org/markup-compatibility/2006" xmlns:p14="http://schemas.microsoft.com/office/powerpoint/2010/main">
+    <mc:Choice Requires="p14">
       <p:transition>
         <p14:reveal/>
       </p:transition>
     </mc:Choice>
-    <mc:Fallback>
+    <mc:Fallback xmlns="">
       <p:transition>
         <p:fade/>
       </p:transition>
@@ -10312,13 +10136,13 @@
   <p:clrMapOvr>
     <a:masterClrMapping/>
   </p:clrMapOvr>
-  <mc:AlternateContent xmlns:mc="http://schemas.openxmlformats.org/markup-compatibility/2006">
-    <mc:Choice xmlns:p14="http://schemas.microsoft.com/office/powerpoint/2010/main" Requires="p14">
+  <mc:AlternateContent xmlns:mc="http://schemas.openxmlformats.org/markup-compatibility/2006" xmlns:p14="http://schemas.microsoft.com/office/powerpoint/2010/main">
+    <mc:Choice Requires="p14">
       <p:transition>
         <p14:reveal/>
       </p:transition>
     </mc:Choice>
-    <mc:Fallback>
+    <mc:Fallback xmlns="">
       <p:transition>
         <p:fade/>
       </p:transition>
